--- a/docs/ZZZZZZZZZZZZ.pptx
+++ b/docs/ZZZZZZZZZZZZ.pptx
@@ -501,7 +501,7 @@
             <a:fld id="{0113C6A8-63CD-49FC-8780-2BB34967F268}" type="datetimeFigureOut">
               <a:rPr lang="en-US" smtClean="0"/>
               <a:pPr/>
-              <a:t>3/9/11</a:t>
+              <a:t>3/10/11</a:t>
             </a:fld>
             <a:endParaRPr lang="en-US"/>
           </a:p>
@@ -668,7 +668,7 @@
             <a:fld id="{0113C6A8-63CD-49FC-8780-2BB34967F268}" type="datetimeFigureOut">
               <a:rPr lang="en-US" smtClean="0"/>
               <a:pPr/>
-              <a:t>3/9/11</a:t>
+              <a:t>3/10/11</a:t>
             </a:fld>
             <a:endParaRPr lang="en-US"/>
           </a:p>
@@ -845,7 +845,7 @@
             <a:fld id="{0113C6A8-63CD-49FC-8780-2BB34967F268}" type="datetimeFigureOut">
               <a:rPr lang="en-US" smtClean="0"/>
               <a:pPr/>
-              <a:t>3/9/11</a:t>
+              <a:t>3/10/11</a:t>
             </a:fld>
             <a:endParaRPr lang="en-US"/>
           </a:p>
@@ -1016,7 +1016,7 @@
             <a:fld id="{0113C6A8-63CD-49FC-8780-2BB34967F268}" type="datetimeFigureOut">
               <a:rPr lang="en-US" smtClean="0"/>
               <a:pPr/>
-              <a:t>3/9/11</a:t>
+              <a:t>3/10/11</a:t>
             </a:fld>
             <a:endParaRPr lang="en-US"/>
           </a:p>
@@ -1473,7 +1473,7 @@
             <a:fld id="{0113C6A8-63CD-49FC-8780-2BB34967F268}" type="datetimeFigureOut">
               <a:rPr lang="en-US" smtClean="0"/>
               <a:pPr/>
-              <a:t>3/9/11</a:t>
+              <a:t>3/10/11</a:t>
             </a:fld>
             <a:endParaRPr lang="en-US"/>
           </a:p>
@@ -1739,7 +1739,7 @@
             <a:fld id="{0113C6A8-63CD-49FC-8780-2BB34967F268}" type="datetimeFigureOut">
               <a:rPr lang="en-US" smtClean="0"/>
               <a:pPr/>
-              <a:t>3/9/11</a:t>
+              <a:t>3/10/11</a:t>
             </a:fld>
             <a:endParaRPr lang="en-US"/>
           </a:p>
@@ -2115,7 +2115,7 @@
             <a:fld id="{0113C6A8-63CD-49FC-8780-2BB34967F268}" type="datetimeFigureOut">
               <a:rPr lang="en-US" smtClean="0"/>
               <a:pPr/>
-              <a:t>3/9/11</a:t>
+              <a:t>3/10/11</a:t>
             </a:fld>
             <a:endParaRPr lang="en-US"/>
           </a:p>
@@ -2239,7 +2239,7 @@
             <a:fld id="{0113C6A8-63CD-49FC-8780-2BB34967F268}" type="datetimeFigureOut">
               <a:rPr lang="en-US" smtClean="0"/>
               <a:pPr/>
-              <a:t>3/9/11</a:t>
+              <a:t>3/10/11</a:t>
             </a:fld>
             <a:endParaRPr lang="en-US"/>
           </a:p>
@@ -2331,7 +2331,7 @@
             <a:fld id="{0113C6A8-63CD-49FC-8780-2BB34967F268}" type="datetimeFigureOut">
               <a:rPr lang="en-US" smtClean="0"/>
               <a:pPr/>
-              <a:t>3/9/11</a:t>
+              <a:t>3/10/11</a:t>
             </a:fld>
             <a:endParaRPr lang="en-US"/>
           </a:p>
@@ -2582,7 +2582,7 @@
             <a:fld id="{0113C6A8-63CD-49FC-8780-2BB34967F268}" type="datetimeFigureOut">
               <a:rPr lang="en-US" smtClean="0"/>
               <a:pPr/>
-              <a:t>3/9/11</a:t>
+              <a:t>3/10/11</a:t>
             </a:fld>
             <a:endParaRPr lang="en-US"/>
           </a:p>
@@ -2843,7 +2843,7 @@
             <a:fld id="{0113C6A8-63CD-49FC-8780-2BB34967F268}" type="datetimeFigureOut">
               <a:rPr lang="en-US" smtClean="0"/>
               <a:pPr/>
-              <a:t>3/9/11</a:t>
+              <a:t>3/10/11</a:t>
             </a:fld>
             <a:endParaRPr lang="en-US"/>
           </a:p>
@@ -3249,7 +3249,7 @@
             <a:fld id="{0113C6A8-63CD-49FC-8780-2BB34967F268}" type="datetimeFigureOut">
               <a:rPr lang="en-US" smtClean="0"/>
               <a:pPr/>
-              <a:t>3/9/11</a:t>
+              <a:t>3/10/11</a:t>
             </a:fld>
             <a:endParaRPr lang="en-US"/>
           </a:p>
@@ -3715,15 +3715,25 @@
             <a:pPr algn="ctr"/>
             <a:r>
               <a:rPr lang="en-US" sz="2800" dirty="0" smtClean="0"/>
-              <a:t>Are you sitting at work bored out of your skull.</a:t>
-            </a:r>
+              <a:t>Are you sitting at work bored out of your </a:t>
+            </a:r>
+            <a:r>
+              <a:rPr lang="en-US" sz="2800" dirty="0" smtClean="0"/>
+              <a:t>skull?</a:t>
+            </a:r>
+            <a:endParaRPr lang="en-US" sz="2800" dirty="0" smtClean="0"/>
           </a:p>
           <a:p>
             <a:pPr algn="ctr"/>
             <a:r>
               <a:rPr lang="en-US" sz="2800" dirty="0" smtClean="0"/>
-              <a:t>Have an extra ten minutes with nothing to do.</a:t>
-            </a:r>
+              <a:t>Have an extra ten minutes with nothing to </a:t>
+            </a:r>
+            <a:r>
+              <a:rPr lang="en-US" sz="2800" dirty="0" smtClean="0"/>
+              <a:t>do?</a:t>
+            </a:r>
+            <a:endParaRPr lang="en-US" sz="2800" dirty="0" smtClean="0"/>
           </a:p>
           <a:p>
             <a:pPr algn="ctr"/>
@@ -3990,7 +4000,15 @@
             </a:r>
             <a:r>
               <a:rPr lang="en-US" sz="2000" dirty="0" smtClean="0"/>
-              <a:t>” is our take on the Flash game “</a:t>
+              <a:t>” is our take on </a:t>
+            </a:r>
+            <a:r>
+              <a:rPr lang="en-US" sz="2000" dirty="0" smtClean="0"/>
+              <a:t>the </a:t>
+            </a:r>
+            <a:r>
+              <a:rPr lang="en-US" sz="2000" dirty="0" smtClean="0"/>
+              <a:t>game “</a:t>
             </a:r>
             <a:r>
               <a:rPr lang="en-US" sz="2000" dirty="0" smtClean="0">
@@ -4490,7 +4508,7 @@
           <p:nvPr>
             <p:extLst>
               <p:ext uri="{D42A27DB-BD31-4B8C-83A1-F6EECF244321}">
-                <p14:modId xmlns:p14="http://schemas.microsoft.com/office/powerpoint/2010/main" val="3217544005"/>
+                <p14:modId xmlns:p14="http://schemas.microsoft.com/office/powerpoint/2010/main" val="289181639"/>
               </p:ext>
             </p:extLst>
           </p:nvPr>
@@ -4546,7 +4564,7 @@
                       <a:pPr algn="ctr"/>
                       <a:r>
                         <a:rPr lang="en-US" dirty="0" err="1" smtClean="0"/>
-                        <a:t>def.h</a:t>
+                        <a:t>defs.h</a:t>
                       </a:r>
                       <a:endParaRPr lang="en-US" dirty="0"/>
                     </a:p>
@@ -4675,11 +4693,15 @@
                       </a:r>
                       <a:r>
                         <a:rPr lang="en-US" sz="1400" dirty="0" err="1" smtClean="0"/>
-                        <a:t>def.h</a:t>
+                        <a:t>defs.h</a:t>
                       </a:r>
                       <a:r>
                         <a:rPr lang="en-US" sz="1400" dirty="0" smtClean="0"/>
-                        <a:t> file contains</a:t>
+                        <a:t> </a:t>
+                      </a:r>
+                      <a:r>
+                        <a:rPr lang="en-US" sz="1400" dirty="0" smtClean="0"/>
+                        <a:t>file contains</a:t>
                       </a:r>
                       <a:r>
                         <a:rPr lang="en-US" sz="1400" baseline="0" dirty="0" smtClean="0"/>
@@ -4850,9 +4872,10 @@
                         <a:t> = </a:t>
                       </a:r>
                       <a:r>
-                        <a:rPr lang="en-US" dirty="0" smtClean="0"/>
-                        <a:t>45</a:t>
-                      </a:r>
+                        <a:rPr lang="en-US" sz="1800" dirty="0" smtClean="0"/>
+                        <a:t>38</a:t>
+                      </a:r>
+                      <a:endParaRPr lang="en-US" dirty="0" smtClean="0"/>
                     </a:p>
                     <a:p>
                       <a:r>
@@ -4861,7 +4884,7 @@
                       </a:r>
                       <a:r>
                         <a:rPr lang="en-US" dirty="0" smtClean="0"/>
-                        <a:t>304</a:t>
+                        <a:t>347</a:t>
                       </a:r>
                       <a:endParaRPr lang="en-US" dirty="0"/>
                     </a:p>
@@ -4882,9 +4905,10 @@
                         <a:t> = </a:t>
                       </a:r>
                       <a:r>
-                        <a:rPr lang="en-US" dirty="0" smtClean="0"/>
-                        <a:t>30</a:t>
-                      </a:r>
+                        <a:rPr lang="en-US" sz="1800" dirty="0" smtClean="0"/>
+                        <a:t>22</a:t>
+                      </a:r>
+                      <a:endParaRPr lang="en-US" dirty="0" smtClean="0"/>
                     </a:p>
                     <a:p>
                       <a:r>
@@ -4897,7 +4921,7 @@
                       </a:r>
                       <a:r>
                         <a:rPr lang="en-US" dirty="0" smtClean="0"/>
-                        <a:t>235</a:t>
+                        <a:t>273</a:t>
                       </a:r>
                       <a:endParaRPr lang="en-US" dirty="0"/>
                     </a:p>
@@ -4933,7 +4957,7 @@
                       </a:r>
                       <a:r>
                         <a:rPr lang="en-US" dirty="0" smtClean="0"/>
-                        <a:t>125</a:t>
+                        <a:t>130</a:t>
                       </a:r>
                       <a:endParaRPr lang="en-US" dirty="0"/>
                     </a:p>
@@ -4955,8 +4979,9 @@
                       </a:r>
                       <a:r>
                         <a:rPr lang="en-US" dirty="0" smtClean="0"/>
-                        <a:t>31</a:t>
-                      </a:r>
+                        <a:t>30</a:t>
+                      </a:r>
+                      <a:endParaRPr lang="en-US" dirty="0" smtClean="0"/>
                     </a:p>
                     <a:p>
                       <a:r>
@@ -4969,7 +4994,7 @@
                       </a:r>
                       <a:r>
                         <a:rPr lang="en-US" dirty="0" smtClean="0"/>
-                        <a:t>125</a:t>
+                        <a:t>139</a:t>
                       </a:r>
                       <a:endParaRPr lang="en-US" dirty="0"/>
                     </a:p>
@@ -5095,11 +5120,7 @@
             </a:pPr>
             <a:r>
               <a:rPr lang="en-US" sz="2000" dirty="0" smtClean="0"/>
-              <a:t>Expand </a:t>
-            </a:r>
-            <a:r>
-              <a:rPr lang="en-US" sz="2000" dirty="0" smtClean="0"/>
-              <a:t>the world with more maps.</a:t>
+              <a:t>Expand the world with more maps.</a:t>
             </a:r>
           </a:p>
           <a:p>
@@ -5109,11 +5130,7 @@
             </a:pPr>
             <a:r>
               <a:rPr lang="en-US" sz="2000" dirty="0" smtClean="0"/>
-              <a:t>Add </a:t>
-            </a:r>
-            <a:r>
-              <a:rPr lang="en-US" sz="2000" dirty="0" smtClean="0"/>
-              <a:t>more color to the maps.</a:t>
+              <a:t>Add more color to the maps.</a:t>
             </a:r>
           </a:p>
           <a:p>
@@ -5123,17 +5140,8 @@
             </a:pPr>
             <a:r>
               <a:rPr lang="en-US" sz="2000" dirty="0" smtClean="0"/>
-              <a:t>Add </a:t>
-            </a:r>
-            <a:r>
-              <a:rPr lang="en-US" sz="2000" dirty="0" smtClean="0"/>
-              <a:t>the BLINK effect to the Death-</a:t>
-            </a:r>
-            <a:r>
-              <a:rPr lang="en-US" sz="2000" dirty="0" smtClean="0"/>
-              <a:t>Zones (dependent on terminal capabilities).</a:t>
-            </a:r>
-            <a:endParaRPr lang="en-US" sz="2000" dirty="0" smtClean="0"/>
+              <a:t>Add the BLINK effect to the Death-Zones (dependent on terminal capabilities).</a:t>
+            </a:r>
           </a:p>
           <a:p>
             <a:pPr marL="342900" indent="-342900">
@@ -5142,19 +5150,7 @@
             </a:pPr>
             <a:r>
               <a:rPr lang="en-US" sz="2000" dirty="0" smtClean="0"/>
-              <a:t>Change </a:t>
-            </a:r>
-            <a:r>
-              <a:rPr lang="en-US" sz="2000" dirty="0" smtClean="0"/>
-              <a:t>the character </a:t>
-            </a:r>
-            <a:r>
-              <a:rPr lang="en-US" sz="2000" dirty="0" smtClean="0"/>
-              <a:t>to </a:t>
-            </a:r>
-            <a:r>
-              <a:rPr lang="en-US" sz="2000" dirty="0" smtClean="0"/>
-              <a:t>a more human-like form.</a:t>
+              <a:t>Change the character to a more human-like form.</a:t>
             </a:r>
           </a:p>
           <a:p>
@@ -5164,15 +5160,7 @@
             </a:pPr>
             <a:r>
               <a:rPr lang="en-US" sz="2000" dirty="0" smtClean="0"/>
-              <a:t>Animate </a:t>
-            </a:r>
-            <a:r>
-              <a:rPr lang="en-US" sz="2000" dirty="0" smtClean="0"/>
-              <a:t>parts of the maze and </a:t>
-            </a:r>
-            <a:r>
-              <a:rPr lang="en-US" sz="2000" dirty="0" smtClean="0"/>
-              <a:t>obstacles.</a:t>
+              <a:t>Animate parts of the maze and obstacles.</a:t>
             </a:r>
           </a:p>
           <a:p>
@@ -5182,15 +5170,7 @@
             </a:pPr>
             <a:r>
               <a:rPr lang="en-US" sz="2000" dirty="0" smtClean="0"/>
-              <a:t>Continual </a:t>
-            </a:r>
-            <a:r>
-              <a:rPr lang="en-US" sz="2000" dirty="0" smtClean="0"/>
-              <a:t>play instead of quitting after five lives</a:t>
-            </a:r>
-            <a:r>
-              <a:rPr lang="en-US" sz="2000" dirty="0" smtClean="0"/>
-              <a:t>.</a:t>
+              <a:t>Continual play instead of quitting after five lives.</a:t>
             </a:r>
             <a:endParaRPr lang="en-US" sz="2000" dirty="0"/>
           </a:p>
@@ -5257,15 +5237,7 @@
                   <a:srgbClr val="FF0000"/>
                 </a:solidFill>
               </a:rPr>
-              <a:t>Who are </a:t>
-            </a:r>
-            <a:r>
-              <a:rPr lang="en-US" sz="2000" dirty="0" smtClean="0">
-                <a:solidFill>
-                  <a:srgbClr val="FF0000"/>
-                </a:solidFill>
-              </a:rPr>
-              <a:t>we?</a:t>
+              <a:t>Who are we?</a:t>
             </a:r>
             <a:endParaRPr lang="en-US" sz="2000" dirty="0">
               <a:solidFill>
